--- a/2020년 10월 30일 발표.pptx
+++ b/2020년 10월 30일 발표.pptx
@@ -14,9 +14,9 @@
     <p:sldId id="268" r:id="rId5"/>
     <p:sldId id="269" r:id="rId6"/>
     <p:sldId id="270" r:id="rId7"/>
-    <p:sldId id="271" r:id="rId8"/>
-    <p:sldId id="272" r:id="rId9"/>
-    <p:sldId id="262" r:id="rId10"/>
+    <p:sldId id="262" r:id="rId8"/>
+    <p:sldId id="271" r:id="rId9"/>
+    <p:sldId id="272" r:id="rId10"/>
   </p:sldIdLst>
   <p:sldSz cx="9144000" cy="6858000" type="screen4x3"/>
   <p:notesSz cx="6858000" cy="9144000"/>
@@ -201,7 +201,7 @@
             <a:fld id="{D051D35B-4F04-481B-A8D0-DFC32CA2F77E}" type="datetimeFigureOut">
               <a:rPr lang="ko-KR" altLang="en-US" smtClean="0"/>
               <a:pPr/>
-              <a:t>2020-10-29</a:t>
+              <a:t>2020-10-30</a:t>
             </a:fld>
             <a:endParaRPr lang="ko-KR" altLang="en-US"/>
           </a:p>
@@ -649,7 +649,7 @@
             <a:fld id="{EFD9D441-24DD-44FD-BCF8-52EB4750CCE0}" type="datetimeFigureOut">
               <a:rPr lang="ko-KR" altLang="en-US" smtClean="0"/>
               <a:pPr/>
-              <a:t>2020-10-29</a:t>
+              <a:t>2020-10-30</a:t>
             </a:fld>
             <a:endParaRPr lang="ko-KR" altLang="en-US"/>
           </a:p>
@@ -816,7 +816,7 @@
             <a:fld id="{EFD9D441-24DD-44FD-BCF8-52EB4750CCE0}" type="datetimeFigureOut">
               <a:rPr lang="ko-KR" altLang="en-US" smtClean="0"/>
               <a:pPr/>
-              <a:t>2020-10-29</a:t>
+              <a:t>2020-10-30</a:t>
             </a:fld>
             <a:endParaRPr lang="ko-KR" altLang="en-US"/>
           </a:p>
@@ -993,7 +993,7 @@
             <a:fld id="{EFD9D441-24DD-44FD-BCF8-52EB4750CCE0}" type="datetimeFigureOut">
               <a:rPr lang="ko-KR" altLang="en-US" smtClean="0"/>
               <a:pPr/>
-              <a:t>2020-10-29</a:t>
+              <a:t>2020-10-30</a:t>
             </a:fld>
             <a:endParaRPr lang="ko-KR" altLang="en-US"/>
           </a:p>
@@ -1160,7 +1160,7 @@
             <a:fld id="{EFD9D441-24DD-44FD-BCF8-52EB4750CCE0}" type="datetimeFigureOut">
               <a:rPr lang="ko-KR" altLang="en-US" smtClean="0"/>
               <a:pPr/>
-              <a:t>2020-10-29</a:t>
+              <a:t>2020-10-30</a:t>
             </a:fld>
             <a:endParaRPr lang="ko-KR" altLang="en-US"/>
           </a:p>
@@ -1403,7 +1403,7 @@
             <a:fld id="{EFD9D441-24DD-44FD-BCF8-52EB4750CCE0}" type="datetimeFigureOut">
               <a:rPr lang="ko-KR" altLang="en-US" smtClean="0"/>
               <a:pPr/>
-              <a:t>2020-10-29</a:t>
+              <a:t>2020-10-30</a:t>
             </a:fld>
             <a:endParaRPr lang="ko-KR" altLang="en-US"/>
           </a:p>
@@ -1688,7 +1688,7 @@
             <a:fld id="{EFD9D441-24DD-44FD-BCF8-52EB4750CCE0}" type="datetimeFigureOut">
               <a:rPr lang="ko-KR" altLang="en-US" smtClean="0"/>
               <a:pPr/>
-              <a:t>2020-10-29</a:t>
+              <a:t>2020-10-30</a:t>
             </a:fld>
             <a:endParaRPr lang="ko-KR" altLang="en-US"/>
           </a:p>
@@ -2107,7 +2107,7 @@
             <a:fld id="{EFD9D441-24DD-44FD-BCF8-52EB4750CCE0}" type="datetimeFigureOut">
               <a:rPr lang="ko-KR" altLang="en-US" smtClean="0"/>
               <a:pPr/>
-              <a:t>2020-10-29</a:t>
+              <a:t>2020-10-30</a:t>
             </a:fld>
             <a:endParaRPr lang="ko-KR" altLang="en-US"/>
           </a:p>
@@ -2222,7 +2222,7 @@
             <a:fld id="{EFD9D441-24DD-44FD-BCF8-52EB4750CCE0}" type="datetimeFigureOut">
               <a:rPr lang="ko-KR" altLang="en-US" smtClean="0"/>
               <a:pPr/>
-              <a:t>2020-10-29</a:t>
+              <a:t>2020-10-30</a:t>
             </a:fld>
             <a:endParaRPr lang="ko-KR" altLang="en-US"/>
           </a:p>
@@ -2314,7 +2314,7 @@
             <a:fld id="{EFD9D441-24DD-44FD-BCF8-52EB4750CCE0}" type="datetimeFigureOut">
               <a:rPr lang="ko-KR" altLang="en-US" smtClean="0"/>
               <a:pPr/>
-              <a:t>2020-10-29</a:t>
+              <a:t>2020-10-30</a:t>
             </a:fld>
             <a:endParaRPr lang="ko-KR" altLang="en-US"/>
           </a:p>
@@ -2588,7 +2588,7 @@
             <a:fld id="{EFD9D441-24DD-44FD-BCF8-52EB4750CCE0}" type="datetimeFigureOut">
               <a:rPr lang="ko-KR" altLang="en-US" smtClean="0"/>
               <a:pPr/>
-              <a:t>2020-10-29</a:t>
+              <a:t>2020-10-30</a:t>
             </a:fld>
             <a:endParaRPr lang="ko-KR" altLang="en-US"/>
           </a:p>
@@ -2838,7 +2838,7 @@
             <a:fld id="{EFD9D441-24DD-44FD-BCF8-52EB4750CCE0}" type="datetimeFigureOut">
               <a:rPr lang="ko-KR" altLang="en-US" smtClean="0"/>
               <a:pPr/>
-              <a:t>2020-10-29</a:t>
+              <a:t>2020-10-30</a:t>
             </a:fld>
             <a:endParaRPr lang="ko-KR" altLang="en-US"/>
           </a:p>
@@ -3048,7 +3048,7 @@
             <a:fld id="{EFD9D441-24DD-44FD-BCF8-52EB4750CCE0}" type="datetimeFigureOut">
               <a:rPr lang="ko-KR" altLang="en-US" smtClean="0"/>
               <a:pPr/>
-              <a:t>2020-10-29</a:t>
+              <a:t>2020-10-30</a:t>
             </a:fld>
             <a:endParaRPr lang="ko-KR" altLang="en-US"/>
           </a:p>
@@ -3638,6 +3638,13 @@
   <p:clrMapOvr>
     <a:masterClrMapping/>
   </p:clrMapOvr>
+  <p:timing>
+    <p:tnLst>
+      <p:par>
+        <p:cTn id="1" dur="indefinite" restart="never" nodeType="tmRoot"/>
+      </p:par>
+    </p:tnLst>
+  </p:timing>
 </p:sld>
 </file>
 
@@ -3914,6 +3921,13 @@
   <p:clrMapOvr>
     <a:masterClrMapping/>
   </p:clrMapOvr>
+  <p:timing>
+    <p:tnLst>
+      <p:par>
+        <p:cTn id="1" dur="indefinite" restart="never" nodeType="tmRoot"/>
+      </p:par>
+    </p:tnLst>
+  </p:timing>
 </p:sld>
 </file>
 
@@ -3965,6 +3979,13 @@
   <p:clrMapOvr>
     <a:masterClrMapping/>
   </p:clrMapOvr>
+  <p:timing>
+    <p:tnLst>
+      <p:par>
+        <p:cTn id="1" dur="indefinite" restart="never" nodeType="tmRoot"/>
+      </p:par>
+    </p:tnLst>
+  </p:timing>
 </p:sld>
 </file>
 
@@ -4016,6 +4037,13 @@
   <p:clrMapOvr>
     <a:masterClrMapping/>
   </p:clrMapOvr>
+  <p:timing>
+    <p:tnLst>
+      <p:par>
+        <p:cTn id="1" dur="indefinite" restart="never" nodeType="tmRoot"/>
+      </p:par>
+    </p:tnLst>
+  </p:timing>
 </p:sld>
 </file>
 
@@ -4093,6 +4121,13 @@
   <p:clrMapOvr>
     <a:masterClrMapping/>
   </p:clrMapOvr>
+  <p:timing>
+    <p:tnLst>
+      <p:par>
+        <p:cTn id="1" dur="indefinite" restart="never" nodeType="tmRoot"/>
+      </p:par>
+    </p:tnLst>
+  </p:timing>
 </p:sld>
 </file>
 
@@ -4266,10 +4301,343 @@
   <p:clrMapOvr>
     <a:masterClrMapping/>
   </p:clrMapOvr>
+  <p:timing>
+    <p:tnLst>
+      <p:par>
+        <p:cTn id="1" dur="indefinite" restart="never" nodeType="tmRoot"/>
+      </p:par>
+    </p:tnLst>
+  </p:timing>
 </p:sld>
 </file>
 
 <file path=ppt/slides/slide7.xml><?xml version="1.0" encoding="utf-8"?>
+<p:sld xmlns:a="http://schemas.openxmlformats.org/drawingml/2006/main" xmlns:r="http://schemas.openxmlformats.org/officeDocument/2006/relationships" xmlns:p="http://schemas.openxmlformats.org/presentationml/2006/main">
+  <p:cSld>
+    <p:spTree>
+      <p:nvGrpSpPr>
+        <p:cNvPr id="1" name=""/>
+        <p:cNvGrpSpPr/>
+        <p:nvPr/>
+      </p:nvGrpSpPr>
+      <p:grpSpPr>
+        <a:xfrm>
+          <a:off x="0" y="0"/>
+          <a:ext cx="0" cy="0"/>
+          <a:chOff x="0" y="0"/>
+          <a:chExt cx="0" cy="0"/>
+        </a:xfrm>
+      </p:grpSpPr>
+      <p:sp>
+        <p:nvSpPr>
+          <p:cNvPr id="3074" name="Rectangle 2"/>
+          <p:cNvSpPr>
+            <a:spLocks noChangeArrowheads="1"/>
+          </p:cNvSpPr>
+          <p:nvPr/>
+        </p:nvSpPr>
+        <p:spPr bwMode="auto">
+          <a:xfrm>
+            <a:off x="0" y="0"/>
+            <a:ext cx="9144000" cy="457200"/>
+          </a:xfrm>
+          <a:prstGeom prst="rect">
+            <a:avLst/>
+          </a:prstGeom>
+          <a:noFill/>
+          <a:ln w="9525">
+            <a:noFill/>
+            <a:miter lim="800000"/>
+            <a:headEnd/>
+            <a:tailEnd/>
+          </a:ln>
+          <a:effectLst/>
+        </p:spPr>
+        <p:txBody>
+          <a:bodyPr vert="horz" wrap="none" lIns="91440" tIns="45720" rIns="91440" bIns="45720" numCol="1" anchor="ctr" anchorCtr="0" compatLnSpc="1">
+            <a:prstTxWarp prst="textNoShape">
+              <a:avLst/>
+            </a:prstTxWarp>
+            <a:spAutoFit/>
+          </a:bodyPr>
+          <a:lstStyle/>
+          <a:p>
+            <a:endParaRPr lang="ko-KR" altLang="en-US"/>
+          </a:p>
+        </p:txBody>
+      </p:sp>
+      <p:sp>
+        <p:nvSpPr>
+          <p:cNvPr id="3076" name="Rectangle 4"/>
+          <p:cNvSpPr>
+            <a:spLocks noChangeArrowheads="1"/>
+          </p:cNvSpPr>
+          <p:nvPr/>
+        </p:nvSpPr>
+        <p:spPr bwMode="auto">
+          <a:xfrm>
+            <a:off x="0" y="0"/>
+            <a:ext cx="9144000" cy="457200"/>
+          </a:xfrm>
+          <a:prstGeom prst="rect">
+            <a:avLst/>
+          </a:prstGeom>
+          <a:noFill/>
+          <a:ln w="9525">
+            <a:noFill/>
+            <a:miter lim="800000"/>
+            <a:headEnd/>
+            <a:tailEnd/>
+          </a:ln>
+          <a:effectLst/>
+        </p:spPr>
+        <p:txBody>
+          <a:bodyPr vert="horz" wrap="none" lIns="91440" tIns="45720" rIns="91440" bIns="45720" numCol="1" anchor="ctr" anchorCtr="0" compatLnSpc="1">
+            <a:prstTxWarp prst="textNoShape">
+              <a:avLst/>
+            </a:prstTxWarp>
+            <a:spAutoFit/>
+          </a:bodyPr>
+          <a:lstStyle/>
+          <a:p>
+            <a:endParaRPr lang="ko-KR" altLang="en-US"/>
+          </a:p>
+        </p:txBody>
+      </p:sp>
+      <p:sp>
+        <p:nvSpPr>
+          <p:cNvPr id="8" name="Rectangle 2"/>
+          <p:cNvSpPr>
+            <a:spLocks noChangeArrowheads="1"/>
+          </p:cNvSpPr>
+          <p:nvPr/>
+        </p:nvSpPr>
+        <p:spPr bwMode="auto">
+          <a:xfrm>
+            <a:off x="611560" y="4027420"/>
+            <a:ext cx="7848872" cy="1323439"/>
+          </a:xfrm>
+          <a:prstGeom prst="rect">
+            <a:avLst/>
+          </a:prstGeom>
+          <a:noFill/>
+          <a:ln w="9525">
+            <a:noFill/>
+            <a:miter lim="800000"/>
+            <a:headEnd/>
+            <a:tailEnd/>
+          </a:ln>
+          <a:effectLst/>
+        </p:spPr>
+        <p:txBody>
+          <a:bodyPr vert="horz" wrap="square" lIns="91440" tIns="45720" rIns="91440" bIns="45720" numCol="1" anchor="ctr" anchorCtr="0" compatLnSpc="1">
+            <a:prstTxWarp prst="textNoShape">
+              <a:avLst/>
+            </a:prstTxWarp>
+            <a:spAutoFit/>
+          </a:bodyPr>
+          <a:lstStyle/>
+          <a:p>
+            <a:r>
+              <a:rPr lang="ko-KR" altLang="en-US" sz="1600" dirty="0" err="1" smtClean="0"/>
+              <a:t>오차값</a:t>
+            </a:r>
+            <a:r>
+              <a:rPr lang="ko-KR" altLang="en-US" sz="1600" dirty="0" smtClean="0"/>
+              <a:t> </a:t>
+            </a:r>
+            <a:r>
+              <a:rPr lang="en-US" altLang="ko-KR" sz="1600" dirty="0" smtClean="0"/>
+              <a:t>: calibration</a:t>
+            </a:r>
+            <a:r>
+              <a:rPr lang="ko-KR" altLang="en-US" sz="1600" dirty="0" smtClean="0"/>
+              <a:t>을 통해 얻은 </a:t>
+            </a:r>
+            <a:r>
+              <a:rPr lang="en-US" altLang="ko-KR" sz="1600" dirty="0" smtClean="0"/>
+              <a:t>matrix</a:t>
+            </a:r>
+            <a:r>
+              <a:rPr lang="ko-KR" altLang="en-US" sz="1600" dirty="0" smtClean="0"/>
+              <a:t>로 실제 작업을 </a:t>
+            </a:r>
+            <a:r>
+              <a:rPr lang="ko-KR" altLang="en-US" sz="1600" dirty="0" err="1" smtClean="0"/>
+              <a:t>수행했을때와</a:t>
+            </a:r>
+            <a:r>
+              <a:rPr lang="ko-KR" altLang="en-US" sz="1600" dirty="0" smtClean="0"/>
+              <a:t> 이상적인 움직임의 차</a:t>
+            </a:r>
+            <a:endParaRPr lang="en-US" altLang="ko-KR" sz="1600" dirty="0" smtClean="0"/>
+          </a:p>
+          <a:p>
+            <a:endParaRPr lang="en-US" altLang="ko-KR" sz="1600" dirty="0" smtClean="0"/>
+          </a:p>
+          <a:p>
+            <a:endParaRPr lang="en-US" altLang="ko-KR" sz="1600" dirty="0" smtClean="0"/>
+          </a:p>
+          <a:p>
+            <a:r>
+              <a:rPr lang="ko-KR" altLang="en-US" sz="1600" dirty="0" smtClean="0"/>
+              <a:t>안정성 </a:t>
+            </a:r>
+            <a:r>
+              <a:rPr lang="en-US" altLang="ko-KR" sz="1600" dirty="0" smtClean="0"/>
+              <a:t>: </a:t>
+            </a:r>
+            <a:r>
+              <a:rPr lang="ko-KR" altLang="en-US" sz="1600" dirty="0" smtClean="0"/>
+              <a:t>외부 </a:t>
+            </a:r>
+            <a:r>
+              <a:rPr lang="ko-KR" altLang="en-US" sz="1600" dirty="0" err="1" smtClean="0"/>
+              <a:t>노이즈가</a:t>
+            </a:r>
+            <a:r>
+              <a:rPr lang="ko-KR" altLang="en-US" sz="1600" dirty="0" smtClean="0"/>
+              <a:t> </a:t>
+            </a:r>
+            <a:r>
+              <a:rPr lang="ko-KR" altLang="en-US" sz="1600" dirty="0" smtClean="0"/>
+              <a:t>가해졌을때</a:t>
+            </a:r>
+            <a:r>
+              <a:rPr lang="en-US" altLang="ko-KR" sz="1600" dirty="0" smtClean="0"/>
+              <a:t>, matrix</a:t>
+            </a:r>
+            <a:r>
+              <a:rPr lang="ko-KR" altLang="en-US" sz="1600" dirty="0" smtClean="0"/>
+              <a:t>방정식의 해에 얼마나 영향을 주는지</a:t>
+            </a:r>
+            <a:endParaRPr lang="en-US" altLang="ko-KR" sz="1600" dirty="0" smtClean="0"/>
+          </a:p>
+        </p:txBody>
+      </p:sp>
+      <p:sp>
+        <p:nvSpPr>
+          <p:cNvPr id="9" name="Rectangle 2"/>
+          <p:cNvSpPr>
+            <a:spLocks noChangeArrowheads="1"/>
+          </p:cNvSpPr>
+          <p:nvPr/>
+        </p:nvSpPr>
+        <p:spPr bwMode="auto">
+          <a:xfrm>
+            <a:off x="755576" y="260648"/>
+            <a:ext cx="7848872" cy="584775"/>
+          </a:xfrm>
+          <a:prstGeom prst="rect">
+            <a:avLst/>
+          </a:prstGeom>
+          <a:noFill/>
+          <a:ln w="9525">
+            <a:noFill/>
+            <a:miter lim="800000"/>
+            <a:headEnd/>
+            <a:tailEnd/>
+          </a:ln>
+          <a:effectLst/>
+        </p:spPr>
+        <p:txBody>
+          <a:bodyPr vert="horz" wrap="square" lIns="91440" tIns="45720" rIns="91440" bIns="45720" numCol="1" anchor="ctr" anchorCtr="0" compatLnSpc="1">
+            <a:prstTxWarp prst="textNoShape">
+              <a:avLst/>
+            </a:prstTxWarp>
+            <a:spAutoFit/>
+          </a:bodyPr>
+          <a:lstStyle/>
+          <a:p>
+            <a:r>
+              <a:rPr lang="ko-KR" altLang="en-US" sz="1600" dirty="0" smtClean="0"/>
+              <a:t>다음과 같이 </a:t>
+            </a:r>
+            <a:r>
+              <a:rPr lang="en-US" altLang="ko-KR" sz="1600" dirty="0" smtClean="0"/>
+              <a:t>Calibration </a:t>
+            </a:r>
+            <a:r>
+              <a:rPr lang="ko-KR" altLang="en-US" sz="1600" dirty="0" smtClean="0"/>
+              <a:t>과정에서 </a:t>
+            </a:r>
+            <a:r>
+              <a:rPr lang="ko-KR" altLang="en-US" sz="1600" dirty="0" err="1" smtClean="0"/>
+              <a:t>노이즈</a:t>
+            </a:r>
+            <a:r>
+              <a:rPr lang="en-US" altLang="ko-KR" sz="1600" dirty="0" smtClean="0"/>
+              <a:t>, </a:t>
+            </a:r>
+            <a:r>
+              <a:rPr lang="ko-KR" altLang="en-US" sz="1600" dirty="0" smtClean="0"/>
+              <a:t>실제 </a:t>
+            </a:r>
+            <a:r>
+              <a:rPr lang="ko-KR" altLang="en-US" sz="1600" dirty="0" err="1" smtClean="0"/>
+              <a:t>작업중일때의</a:t>
+            </a:r>
+            <a:r>
+              <a:rPr lang="ko-KR" altLang="en-US" sz="1600" dirty="0" smtClean="0"/>
+              <a:t> </a:t>
+            </a:r>
+            <a:r>
+              <a:rPr lang="ko-KR" altLang="en-US" sz="1600" dirty="0" err="1" smtClean="0"/>
+              <a:t>노이즈가</a:t>
+            </a:r>
+            <a:r>
+              <a:rPr lang="ko-KR" altLang="en-US" sz="1600" dirty="0" smtClean="0"/>
+              <a:t> 발생할 수 있다</a:t>
+            </a:r>
+            <a:r>
+              <a:rPr lang="en-US" altLang="ko-KR" sz="1600" dirty="0" smtClean="0"/>
+              <a:t>. </a:t>
+            </a:r>
+          </a:p>
+        </p:txBody>
+      </p:sp>
+      <p:pic>
+        <p:nvPicPr>
+          <p:cNvPr id="10" name="_x122304184" descr="EMB0000234c0e2c"/>
+          <p:cNvPicPr>
+            <a:picLocks noChangeAspect="1" noChangeArrowheads="1"/>
+          </p:cNvPicPr>
+          <p:nvPr/>
+        </p:nvPicPr>
+        <p:blipFill>
+          <a:blip r:embed="rId2" cstate="print"/>
+          <a:srcRect b="30240"/>
+          <a:stretch>
+            <a:fillRect/>
+          </a:stretch>
+        </p:blipFill>
+        <p:spPr bwMode="auto">
+          <a:xfrm>
+            <a:off x="323528" y="1124744"/>
+            <a:ext cx="8468038" cy="1872208"/>
+          </a:xfrm>
+          <a:prstGeom prst="rect">
+            <a:avLst/>
+          </a:prstGeom>
+          <a:noFill/>
+        </p:spPr>
+      </p:pic>
+    </p:spTree>
+  </p:cSld>
+  <p:clrMapOvr>
+    <a:masterClrMapping/>
+  </p:clrMapOvr>
+  <p:timing>
+    <p:tnLst>
+      <p:par>
+        <p:cTn id="1" dur="indefinite" restart="never" nodeType="tmRoot"/>
+      </p:par>
+    </p:tnLst>
+  </p:timing>
+</p:sld>
+</file>
+
+<file path=ppt/slides/slide8.xml><?xml version="1.0" encoding="utf-8"?>
 <p:sld xmlns:a="http://schemas.openxmlformats.org/drawingml/2006/main" xmlns:r="http://schemas.openxmlformats.org/officeDocument/2006/relationships" xmlns:p="http://schemas.openxmlformats.org/presentationml/2006/main">
   <p:cSld>
     <p:spTree>
@@ -4317,10 +4685,17 @@
   <p:clrMapOvr>
     <a:masterClrMapping/>
   </p:clrMapOvr>
+  <p:timing>
+    <p:tnLst>
+      <p:par>
+        <p:cTn id="1" dur="indefinite" restart="never" nodeType="tmRoot"/>
+      </p:par>
+    </p:tnLst>
+  </p:timing>
 </p:sld>
 </file>
 
-<file path=ppt/slides/slide8.xml><?xml version="1.0" encoding="utf-8"?>
+<file path=ppt/slides/slide9.xml><?xml version="1.0" encoding="utf-8"?>
 <p:sld xmlns:a="http://schemas.openxmlformats.org/drawingml/2006/main" xmlns:r="http://schemas.openxmlformats.org/officeDocument/2006/relationships" xmlns:p="http://schemas.openxmlformats.org/presentationml/2006/main">
   <p:cSld>
     <p:spTree>
@@ -4368,337 +4743,13 @@
   <p:clrMapOvr>
     <a:masterClrMapping/>
   </p:clrMapOvr>
-</p:sld>
-</file>
-
-<file path=ppt/slides/slide9.xml><?xml version="1.0" encoding="utf-8"?>
-<p:sld xmlns:a="http://schemas.openxmlformats.org/drawingml/2006/main" xmlns:r="http://schemas.openxmlformats.org/officeDocument/2006/relationships" xmlns:p="http://schemas.openxmlformats.org/presentationml/2006/main">
-  <p:cSld>
-    <p:spTree>
-      <p:nvGrpSpPr>
-        <p:cNvPr id="1" name=""/>
-        <p:cNvGrpSpPr/>
-        <p:nvPr/>
-      </p:nvGrpSpPr>
-      <p:grpSpPr>
-        <a:xfrm>
-          <a:off x="0" y="0"/>
-          <a:ext cx="0" cy="0"/>
-          <a:chOff x="0" y="0"/>
-          <a:chExt cx="0" cy="0"/>
-        </a:xfrm>
-      </p:grpSpPr>
-      <p:sp>
-        <p:nvSpPr>
-          <p:cNvPr id="3074" name="Rectangle 2"/>
-          <p:cNvSpPr>
-            <a:spLocks noChangeArrowheads="1"/>
-          </p:cNvSpPr>
-          <p:nvPr/>
-        </p:nvSpPr>
-        <p:spPr bwMode="auto">
-          <a:xfrm>
-            <a:off x="0" y="0"/>
-            <a:ext cx="9144000" cy="457200"/>
-          </a:xfrm>
-          <a:prstGeom prst="rect">
-            <a:avLst/>
-          </a:prstGeom>
-          <a:noFill/>
-          <a:ln w="9525">
-            <a:noFill/>
-            <a:miter lim="800000"/>
-            <a:headEnd/>
-            <a:tailEnd/>
-          </a:ln>
-          <a:effectLst/>
-        </p:spPr>
-        <p:txBody>
-          <a:bodyPr vert="horz" wrap="none" lIns="91440" tIns="45720" rIns="91440" bIns="45720" numCol="1" anchor="ctr" anchorCtr="0" compatLnSpc="1">
-            <a:prstTxWarp prst="textNoShape">
-              <a:avLst/>
-            </a:prstTxWarp>
-            <a:spAutoFit/>
-          </a:bodyPr>
-          <a:lstStyle/>
-          <a:p>
-            <a:endParaRPr lang="ko-KR" altLang="en-US"/>
-          </a:p>
-        </p:txBody>
-      </p:sp>
-      <p:sp>
-        <p:nvSpPr>
-          <p:cNvPr id="3076" name="Rectangle 4"/>
-          <p:cNvSpPr>
-            <a:spLocks noChangeArrowheads="1"/>
-          </p:cNvSpPr>
-          <p:nvPr/>
-        </p:nvSpPr>
-        <p:spPr bwMode="auto">
-          <a:xfrm>
-            <a:off x="0" y="0"/>
-            <a:ext cx="9144000" cy="457200"/>
-          </a:xfrm>
-          <a:prstGeom prst="rect">
-            <a:avLst/>
-          </a:prstGeom>
-          <a:noFill/>
-          <a:ln w="9525">
-            <a:noFill/>
-            <a:miter lim="800000"/>
-            <a:headEnd/>
-            <a:tailEnd/>
-          </a:ln>
-          <a:effectLst/>
-        </p:spPr>
-        <p:txBody>
-          <a:bodyPr vert="horz" wrap="none" lIns="91440" tIns="45720" rIns="91440" bIns="45720" numCol="1" anchor="ctr" anchorCtr="0" compatLnSpc="1">
-            <a:prstTxWarp prst="textNoShape">
-              <a:avLst/>
-            </a:prstTxWarp>
-            <a:spAutoFit/>
-          </a:bodyPr>
-          <a:lstStyle/>
-          <a:p>
-            <a:endParaRPr lang="ko-KR" altLang="en-US"/>
-          </a:p>
-        </p:txBody>
-      </p:sp>
-      <p:sp>
-        <p:nvSpPr>
-          <p:cNvPr id="8" name="Rectangle 2"/>
-          <p:cNvSpPr>
-            <a:spLocks noChangeArrowheads="1"/>
-          </p:cNvSpPr>
-          <p:nvPr/>
-        </p:nvSpPr>
-        <p:spPr bwMode="auto">
-          <a:xfrm>
-            <a:off x="611560" y="3904310"/>
-            <a:ext cx="7848872" cy="1569660"/>
-          </a:xfrm>
-          <a:prstGeom prst="rect">
-            <a:avLst/>
-          </a:prstGeom>
-          <a:noFill/>
-          <a:ln w="9525">
-            <a:noFill/>
-            <a:miter lim="800000"/>
-            <a:headEnd/>
-            <a:tailEnd/>
-          </a:ln>
-          <a:effectLst/>
-        </p:spPr>
-        <p:txBody>
-          <a:bodyPr vert="horz" wrap="square" lIns="91440" tIns="45720" rIns="91440" bIns="45720" numCol="1" anchor="ctr" anchorCtr="0" compatLnSpc="1">
-            <a:prstTxWarp prst="textNoShape">
-              <a:avLst/>
-            </a:prstTxWarp>
-            <a:spAutoFit/>
-          </a:bodyPr>
-          <a:lstStyle/>
-          <a:p>
-            <a:r>
-              <a:rPr lang="ko-KR" altLang="en-US" sz="1600" dirty="0" err="1" smtClean="0"/>
-              <a:t>오차값</a:t>
-            </a:r>
-            <a:r>
-              <a:rPr lang="ko-KR" altLang="en-US" sz="1600" dirty="0" smtClean="0"/>
-              <a:t> </a:t>
-            </a:r>
-            <a:r>
-              <a:rPr lang="en-US" altLang="ko-KR" sz="1600" dirty="0" smtClean="0"/>
-              <a:t>: calibration</a:t>
-            </a:r>
-            <a:r>
-              <a:rPr lang="ko-KR" altLang="en-US" sz="1600" dirty="0" smtClean="0"/>
-              <a:t>을 통해 얻은 </a:t>
-            </a:r>
-            <a:r>
-              <a:rPr lang="en-US" altLang="ko-KR" sz="1600" dirty="0" smtClean="0"/>
-              <a:t>matrix</a:t>
-            </a:r>
-            <a:r>
-              <a:rPr lang="ko-KR" altLang="en-US" sz="1600" dirty="0" smtClean="0"/>
-              <a:t>로 실제 작업을 </a:t>
-            </a:r>
-            <a:r>
-              <a:rPr lang="ko-KR" altLang="en-US" sz="1600" dirty="0" err="1" smtClean="0"/>
-              <a:t>수행했을때와</a:t>
-            </a:r>
-            <a:r>
-              <a:rPr lang="ko-KR" altLang="en-US" sz="1600" dirty="0" smtClean="0"/>
-              <a:t> 이상적인 움직임의 차</a:t>
-            </a:r>
-            <a:endParaRPr lang="en-US" altLang="ko-KR" sz="1600" dirty="0" smtClean="0"/>
-          </a:p>
-          <a:p>
-            <a:endParaRPr lang="en-US" altLang="ko-KR" sz="1600" dirty="0" smtClean="0"/>
-          </a:p>
-          <a:p>
-            <a:endParaRPr lang="en-US" altLang="ko-KR" sz="1600" dirty="0" smtClean="0"/>
-          </a:p>
-          <a:p>
-            <a:r>
-              <a:rPr lang="ko-KR" altLang="en-US" sz="1600" dirty="0" smtClean="0"/>
-              <a:t>안정성 </a:t>
-            </a:r>
-            <a:r>
-              <a:rPr lang="en-US" altLang="ko-KR" sz="1600" dirty="0" smtClean="0"/>
-              <a:t>: </a:t>
-            </a:r>
-            <a:r>
-              <a:rPr lang="ko-KR" altLang="en-US" sz="1600" dirty="0" smtClean="0"/>
-              <a:t>외부 </a:t>
-            </a:r>
-            <a:r>
-              <a:rPr lang="ko-KR" altLang="en-US" sz="1600" dirty="0" err="1" smtClean="0"/>
-              <a:t>노이즈</a:t>
-            </a:r>
-            <a:r>
-              <a:rPr lang="en-US" altLang="ko-KR" sz="1600" dirty="0" smtClean="0"/>
-              <a:t>(</a:t>
-            </a:r>
-            <a:r>
-              <a:rPr lang="ko-KR" altLang="en-US" sz="1600" dirty="0" smtClean="0"/>
-              <a:t>섭동</a:t>
-            </a:r>
-            <a:r>
-              <a:rPr lang="en-US" altLang="ko-KR" sz="1600" dirty="0" smtClean="0"/>
-              <a:t>)</a:t>
-            </a:r>
-            <a:r>
-              <a:rPr lang="ko-KR" altLang="en-US" sz="1600" dirty="0" smtClean="0"/>
-              <a:t>가 </a:t>
-            </a:r>
-            <a:r>
-              <a:rPr lang="ko-KR" altLang="en-US" sz="1600" dirty="0" smtClean="0"/>
-              <a:t>가해졌을때</a:t>
-            </a:r>
-            <a:r>
-              <a:rPr lang="en-US" altLang="ko-KR" sz="1600" dirty="0" smtClean="0"/>
-              <a:t>, matrix</a:t>
-            </a:r>
-            <a:r>
-              <a:rPr lang="ko-KR" altLang="en-US" sz="1600" dirty="0" smtClean="0"/>
-              <a:t>방정식의 해에 얼마나 영향을 주는지</a:t>
-            </a:r>
-            <a:endParaRPr lang="en-US" altLang="ko-KR" sz="1600" dirty="0" smtClean="0"/>
-          </a:p>
-        </p:txBody>
-      </p:sp>
-      <p:sp>
-        <p:nvSpPr>
-          <p:cNvPr id="9" name="Rectangle 2"/>
-          <p:cNvSpPr>
-            <a:spLocks noChangeArrowheads="1"/>
-          </p:cNvSpPr>
-          <p:nvPr/>
-        </p:nvSpPr>
-        <p:spPr bwMode="auto">
-          <a:xfrm>
-            <a:off x="755576" y="260648"/>
-            <a:ext cx="7848872" cy="584775"/>
-          </a:xfrm>
-          <a:prstGeom prst="rect">
-            <a:avLst/>
-          </a:prstGeom>
-          <a:noFill/>
-          <a:ln w="9525">
-            <a:noFill/>
-            <a:miter lim="800000"/>
-            <a:headEnd/>
-            <a:tailEnd/>
-          </a:ln>
-          <a:effectLst/>
-        </p:spPr>
-        <p:txBody>
-          <a:bodyPr vert="horz" wrap="square" lIns="91440" tIns="45720" rIns="91440" bIns="45720" numCol="1" anchor="ctr" anchorCtr="0" compatLnSpc="1">
-            <a:prstTxWarp prst="textNoShape">
-              <a:avLst/>
-            </a:prstTxWarp>
-            <a:spAutoFit/>
-          </a:bodyPr>
-          <a:lstStyle/>
-          <a:p>
-            <a:r>
-              <a:rPr lang="ko-KR" altLang="en-US" sz="1600" dirty="0" smtClean="0"/>
-              <a:t>다음과 같이 </a:t>
-            </a:r>
-            <a:r>
-              <a:rPr lang="en-US" altLang="ko-KR" sz="1600" dirty="0" smtClean="0"/>
-              <a:t>Calibration </a:t>
-            </a:r>
-            <a:r>
-              <a:rPr lang="ko-KR" altLang="en-US" sz="1600" dirty="0" smtClean="0"/>
-              <a:t>과정에서 </a:t>
-            </a:r>
-            <a:r>
-              <a:rPr lang="ko-KR" altLang="en-US" sz="1600" dirty="0" err="1" smtClean="0"/>
-              <a:t>노이즈</a:t>
-            </a:r>
-            <a:r>
-              <a:rPr lang="en-US" altLang="ko-KR" sz="1600" dirty="0" smtClean="0"/>
-              <a:t>, </a:t>
-            </a:r>
-            <a:r>
-              <a:rPr lang="ko-KR" altLang="en-US" sz="1600" dirty="0" smtClean="0"/>
-              <a:t>실제 </a:t>
-            </a:r>
-            <a:r>
-              <a:rPr lang="ko-KR" altLang="en-US" sz="1600" dirty="0" err="1" smtClean="0"/>
-              <a:t>작업중일때의</a:t>
-            </a:r>
-            <a:r>
-              <a:rPr lang="ko-KR" altLang="en-US" sz="1600" dirty="0" smtClean="0"/>
-              <a:t> </a:t>
-            </a:r>
-            <a:r>
-              <a:rPr lang="ko-KR" altLang="en-US" sz="1600" dirty="0" err="1" smtClean="0"/>
-              <a:t>노이즈가</a:t>
-            </a:r>
-            <a:r>
-              <a:rPr lang="ko-KR" altLang="en-US" sz="1600" dirty="0" smtClean="0"/>
-              <a:t> 발생할 수 있다</a:t>
-            </a:r>
-            <a:r>
-              <a:rPr lang="en-US" altLang="ko-KR" sz="1600" dirty="0" smtClean="0"/>
-              <a:t>. </a:t>
-            </a:r>
-          </a:p>
-        </p:txBody>
-      </p:sp>
-      <p:pic>
-        <p:nvPicPr>
-          <p:cNvPr id="10" name="_x122304184" descr="EMB0000234c0e2c"/>
-          <p:cNvPicPr>
-            <a:picLocks noChangeAspect="1" noChangeArrowheads="1"/>
-          </p:cNvPicPr>
-          <p:nvPr/>
-        </p:nvPicPr>
-        <p:blipFill>
-          <a:blip r:embed="rId2" cstate="print"/>
-          <a:srcRect b="30240"/>
-          <a:stretch>
-            <a:fillRect/>
-          </a:stretch>
-        </p:blipFill>
-        <p:spPr bwMode="auto">
-          <a:xfrm>
-            <a:off x="323528" y="1124744"/>
-            <a:ext cx="8468038" cy="1872208"/>
-          </a:xfrm>
-          <a:prstGeom prst="rect">
-            <a:avLst/>
-          </a:prstGeom>
-          <a:noFill/>
-        </p:spPr>
-      </p:pic>
-    </p:spTree>
-  </p:cSld>
-  <p:clrMapOvr>
-    <a:masterClrMapping/>
-  </p:clrMapOvr>
+  <p:timing>
+    <p:tnLst>
+      <p:par>
+        <p:cTn id="1" dur="indefinite" restart="never" nodeType="tmRoot"/>
+      </p:par>
+    </p:tnLst>
+  </p:timing>
 </p:sld>
 </file>
 
